--- a/Project/광진구주차문제해결방안/광진구주차문제해결방안.pptx
+++ b/Project/광진구주차문제해결방안/광진구주차문제해결방안.pptx
@@ -25,13 +25,13 @@
   <p:notesSz cx="6858000" cy="9144000"/>
   <p:embeddedFontLst>
     <p:embeddedFont>
-      <p:font typeface="맑은 고딕" panose="020B0503020000020004" pitchFamily="50" charset="-127"/>
+      <p:font typeface="함초롬돋움 확장" panose="02030504000101010101" pitchFamily="18" charset="-127"/>
       <p:regular r:id="rId15"/>
-      <p:bold r:id="rId16"/>
     </p:embeddedFont>
     <p:embeddedFont>
-      <p:font typeface="함초롬돋움 확장" panose="02030504000101010101" pitchFamily="18" charset="-127"/>
-      <p:regular r:id="rId17"/>
+      <p:font typeface="맑은 고딕" panose="020B0503020000020004" pitchFamily="50" charset="-127"/>
+      <p:regular r:id="rId16"/>
+      <p:bold r:id="rId17"/>
     </p:embeddedFont>
     <p:embeddedFont>
       <p:font typeface="포천 오성과 한음 Regular" panose="020B0303000000000000" pitchFamily="50" charset="-127"/>
@@ -223,7 +223,7 @@
           <a:p>
             <a:fld id="{19ECA1D9-0827-45DB-8D6C-594B53CEB15B}" type="datetimeFigureOut">
               <a:rPr lang="ko-KR" altLang="en-US" smtClean="0"/>
-              <a:t>2023-04-12</a:t>
+              <a:t>2023-05-28</a:t>
             </a:fld>
             <a:endParaRPr lang="ko-KR" altLang="en-US"/>
           </a:p>
@@ -805,7 +805,7 @@
           <a:p>
             <a:fld id="{26C4ED00-B049-48CD-AFA4-858541E38B0D}" type="datetimeFigureOut">
               <a:rPr lang="ko-KR" altLang="en-US" smtClean="0"/>
-              <a:t>2023-04-12</a:t>
+              <a:t>2023-05-28</a:t>
             </a:fld>
             <a:endParaRPr lang="ko-KR" altLang="en-US"/>
           </a:p>
@@ -1003,7 +1003,7 @@
           <a:p>
             <a:fld id="{26C4ED00-B049-48CD-AFA4-858541E38B0D}" type="datetimeFigureOut">
               <a:rPr lang="ko-KR" altLang="en-US" smtClean="0"/>
-              <a:t>2023-04-12</a:t>
+              <a:t>2023-05-28</a:t>
             </a:fld>
             <a:endParaRPr lang="ko-KR" altLang="en-US"/>
           </a:p>
@@ -1211,7 +1211,7 @@
           <a:p>
             <a:fld id="{26C4ED00-B049-48CD-AFA4-858541E38B0D}" type="datetimeFigureOut">
               <a:rPr lang="ko-KR" altLang="en-US" smtClean="0"/>
-              <a:t>2023-04-12</a:t>
+              <a:t>2023-05-28</a:t>
             </a:fld>
             <a:endParaRPr lang="ko-KR" altLang="en-US"/>
           </a:p>
@@ -1409,7 +1409,7 @@
           <a:p>
             <a:fld id="{26C4ED00-B049-48CD-AFA4-858541E38B0D}" type="datetimeFigureOut">
               <a:rPr lang="ko-KR" altLang="en-US" smtClean="0"/>
-              <a:t>2023-04-12</a:t>
+              <a:t>2023-05-28</a:t>
             </a:fld>
             <a:endParaRPr lang="ko-KR" altLang="en-US"/>
           </a:p>
@@ -1684,7 +1684,7 @@
           <a:p>
             <a:fld id="{26C4ED00-B049-48CD-AFA4-858541E38B0D}" type="datetimeFigureOut">
               <a:rPr lang="ko-KR" altLang="en-US" smtClean="0"/>
-              <a:t>2023-04-12</a:t>
+              <a:t>2023-05-28</a:t>
             </a:fld>
             <a:endParaRPr lang="ko-KR" altLang="en-US"/>
           </a:p>
@@ -1949,7 +1949,7 @@
           <a:p>
             <a:fld id="{26C4ED00-B049-48CD-AFA4-858541E38B0D}" type="datetimeFigureOut">
               <a:rPr lang="ko-KR" altLang="en-US" smtClean="0"/>
-              <a:t>2023-04-12</a:t>
+              <a:t>2023-05-28</a:t>
             </a:fld>
             <a:endParaRPr lang="ko-KR" altLang="en-US"/>
           </a:p>
@@ -2361,7 +2361,7 @@
           <a:p>
             <a:fld id="{26C4ED00-B049-48CD-AFA4-858541E38B0D}" type="datetimeFigureOut">
               <a:rPr lang="ko-KR" altLang="en-US" smtClean="0"/>
-              <a:t>2023-04-12</a:t>
+              <a:t>2023-05-28</a:t>
             </a:fld>
             <a:endParaRPr lang="ko-KR" altLang="en-US"/>
           </a:p>
@@ -2502,7 +2502,7 @@
           <a:p>
             <a:fld id="{26C4ED00-B049-48CD-AFA4-858541E38B0D}" type="datetimeFigureOut">
               <a:rPr lang="ko-KR" altLang="en-US" smtClean="0"/>
-              <a:t>2023-04-12</a:t>
+              <a:t>2023-05-28</a:t>
             </a:fld>
             <a:endParaRPr lang="ko-KR" altLang="en-US"/>
           </a:p>
@@ -2615,7 +2615,7 @@
           <a:p>
             <a:fld id="{26C4ED00-B049-48CD-AFA4-858541E38B0D}" type="datetimeFigureOut">
               <a:rPr lang="ko-KR" altLang="en-US" smtClean="0"/>
-              <a:t>2023-04-12</a:t>
+              <a:t>2023-05-28</a:t>
             </a:fld>
             <a:endParaRPr lang="ko-KR" altLang="en-US"/>
           </a:p>
@@ -2926,7 +2926,7 @@
           <a:p>
             <a:fld id="{26C4ED00-B049-48CD-AFA4-858541E38B0D}" type="datetimeFigureOut">
               <a:rPr lang="ko-KR" altLang="en-US" smtClean="0"/>
-              <a:t>2023-04-12</a:t>
+              <a:t>2023-05-28</a:t>
             </a:fld>
             <a:endParaRPr lang="ko-KR" altLang="en-US"/>
           </a:p>
@@ -3214,7 +3214,7 @@
           <a:p>
             <a:fld id="{26C4ED00-B049-48CD-AFA4-858541E38B0D}" type="datetimeFigureOut">
               <a:rPr lang="ko-KR" altLang="en-US" smtClean="0"/>
-              <a:t>2023-04-12</a:t>
+              <a:t>2023-05-28</a:t>
             </a:fld>
             <a:endParaRPr lang="ko-KR" altLang="en-US"/>
           </a:p>
@@ -3455,7 +3455,7 @@
           <a:p>
             <a:fld id="{26C4ED00-B049-48CD-AFA4-858541E38B0D}" type="datetimeFigureOut">
               <a:rPr lang="ko-KR" altLang="en-US" smtClean="0"/>
-              <a:t>2023-04-12</a:t>
+              <a:t>2023-05-28</a:t>
             </a:fld>
             <a:endParaRPr lang="ko-KR" altLang="en-US"/>
           </a:p>
@@ -5182,8 +5182,8 @@
                   </a:solidFill>
                 </a:ln>
                 <a:solidFill>
-                  <a:schemeClr val="accent6">
-                    <a:lumMod val="50000"/>
+                  <a:schemeClr val="bg2">
+                    <a:lumMod val="25000"/>
                   </a:schemeClr>
                 </a:solidFill>
                 <a:latin typeface="포천 오성과 한음 Regular" panose="020B0303000000000000" pitchFamily="50" charset="-127"/>
@@ -5200,8 +5200,8 @@
                 </a:solidFill>
               </a:ln>
               <a:solidFill>
-                <a:schemeClr val="accent6">
-                  <a:lumMod val="50000"/>
+                <a:schemeClr val="bg2">
+                  <a:lumMod val="25000"/>
                 </a:schemeClr>
               </a:solidFill>
               <a:latin typeface="포천 오성과 한음 Regular" panose="020B0303000000000000" pitchFamily="50" charset="-127"/>
@@ -9834,20 +9834,7 @@
                 <a:latin typeface="포천 오성과 한음 Regular" panose="020B0303000000000000" pitchFamily="50" charset="-127"/>
                 <a:ea typeface="포천 오성과 한음 Regular" panose="020B0303000000000000" pitchFamily="50" charset="-127"/>
               </a:rPr>
-              <a:t>광진구에 </a:t>
-            </a:r>
-            <a:r>
-              <a:rPr lang="ko-KR" altLang="en-US" sz="1300" dirty="0" smtClean="0">
-                <a:solidFill>
-                  <a:schemeClr val="tx1">
-                    <a:lumMod val="65000"/>
-                    <a:lumOff val="35000"/>
-                  </a:schemeClr>
-                </a:solidFill>
-                <a:latin typeface="포천 오성과 한음 Regular" panose="020B0303000000000000" pitchFamily="50" charset="-127"/>
-                <a:ea typeface="포천 오성과 한음 Regular" panose="020B0303000000000000" pitchFamily="50" charset="-127"/>
-              </a:rPr>
-              <a:t>해결방안 적용</a:t>
+              <a:t>광진구에 해결방안 적용</a:t>
             </a:r>
             <a:endParaRPr lang="en-US" altLang="ko-KR" sz="1300" dirty="0" smtClean="0">
               <a:solidFill>
@@ -11145,14 +11132,7 @@
                 <a:latin typeface="포천 오성과 한음 Regular" panose="020B0303000000000000" pitchFamily="50" charset="-127"/>
                 <a:ea typeface="포천 오성과 한음 Regular" panose="020B0303000000000000" pitchFamily="50" charset="-127"/>
               </a:rPr>
-              <a:t>광진구보다 인구수 및 면적이 훨</a:t>
-            </a:r>
-            <a:r>
-              <a:rPr lang="ko-KR" altLang="en-US" dirty="0" smtClean="0">
-                <a:latin typeface="포천 오성과 한음 Regular" panose="020B0303000000000000" pitchFamily="50" charset="-127"/>
-                <a:ea typeface="포천 오성과 한음 Regular" panose="020B0303000000000000" pitchFamily="50" charset="-127"/>
-              </a:rPr>
-              <a:t>씬 낮은 성동구와 </a:t>
+              <a:t>광진구보다 인구수 및 면적이 훨씬 낮은 성동구와 </a:t>
             </a:r>
             <a:r>
               <a:rPr lang="en-US" altLang="ko-KR" b="1" dirty="0" smtClean="0">
@@ -12026,14 +12006,7 @@
                 <a:latin typeface="포천 오성과 한음 Regular" panose="020B0303000000000000" pitchFamily="50" charset="-127"/>
                 <a:ea typeface="포천 오성과 한음 Regular" panose="020B0303000000000000" pitchFamily="50" charset="-127"/>
               </a:rPr>
-              <a:t>하지만 </a:t>
-            </a:r>
-            <a:r>
-              <a:rPr lang="ko-KR" altLang="en-US" dirty="0" smtClean="0">
-                <a:latin typeface="포천 오성과 한음 Regular" panose="020B0303000000000000" pitchFamily="50" charset="-127"/>
-                <a:ea typeface="포천 오성과 한음 Regular" panose="020B0303000000000000" pitchFamily="50" charset="-127"/>
-              </a:rPr>
-              <a:t>실제 광진구의 </a:t>
+              <a:t>하지만 실제 광진구의 </a:t>
             </a:r>
             <a:endParaRPr lang="en-US" altLang="ko-KR" dirty="0" smtClean="0">
               <a:latin typeface="포천 오성과 한음 Regular" panose="020B0303000000000000" pitchFamily="50" charset="-127"/>
@@ -12479,10 +12452,6 @@
               </a:rPr>
               <a:t>.</a:t>
             </a:r>
-            <a:endParaRPr lang="en-US" altLang="ko-KR" sz="2000" dirty="0" smtClean="0">
-              <a:latin typeface="포천 오성과 한음 Regular" panose="020B0303000000000000" pitchFamily="50" charset="-127"/>
-              <a:ea typeface="포천 오성과 한음 Regular" panose="020B0303000000000000" pitchFamily="50" charset="-127"/>
-            </a:endParaRPr>
           </a:p>
         </p:txBody>
       </p:sp>
@@ -12859,10 +12828,6 @@
               </a:rPr>
               <a:t>.</a:t>
             </a:r>
-            <a:endParaRPr lang="en-US" altLang="ko-KR" sz="2000" dirty="0" smtClean="0">
-              <a:latin typeface="포천 오성과 한음 Regular" panose="020B0303000000000000" pitchFamily="50" charset="-127"/>
-              <a:ea typeface="포천 오성과 한음 Regular" panose="020B0303000000000000" pitchFamily="50" charset="-127"/>
-            </a:endParaRPr>
           </a:p>
         </p:txBody>
       </p:sp>
